--- a/data/발표포스터양식_컴핵.pptx
+++ b/data/발표포스터양식_컴핵.pptx
@@ -7,6 +7,9 @@
   <p:notesMasterIdLst>
     <p:notesMasterId r:id="rId3"/>
   </p:notesMasterIdLst>
+  <p:handoutMasterIdLst>
+    <p:handoutMasterId r:id="rId4"/>
+  </p:handoutMasterIdLst>
   <p:sldIdLst>
     <p:sldId id="256" r:id="rId2"/>
   </p:sldIdLst>
@@ -243,7 +246,7 @@
   </p:defaultTextStyle>
   <p:extLst>
     <p:ext uri="{EFAFB233-063F-42B5-8137-9DF3F51BA10A}">
-      <p15:sldGuideLst xmlns:ahyp="http://schemas.microsoft.com/office/drawing/2018/hyperlinkcolor" xmlns:p15="http://schemas.microsoft.com/office/powerpoint/2012/main" xmlns:p14="http://schemas.microsoft.com/office/powerpoint/2010/main" xmlns:com="http://schemas.openxmlformats.org/drawingml/2006/compatibility" xmlns:pvml="urn:schemas-microsoft-com:office:powerpoint" xmlns:v="urn:schemas-microsoft-com:vml" xmlns:o="urn:schemas-microsoft-com:office:office" xmlns:dgm="http://schemas.openxmlformats.org/drawingml/2006/diagram" xmlns:c="http://schemas.openxmlformats.org/drawingml/2006/chart" xmlns:mv="urn:schemas-microsoft-com:mac:vml" xmlns:mc="http://schemas.openxmlformats.org/markup-compatibility/2006" xmlns="">
+      <p15:sldGuideLst xmlns="" xmlns:mc="http://schemas.openxmlformats.org/markup-compatibility/2006" xmlns:mv="urn:schemas-microsoft-com:mac:vml" xmlns:c="http://schemas.openxmlformats.org/drawingml/2006/chart" xmlns:dgm="http://schemas.openxmlformats.org/drawingml/2006/diagram" xmlns:o="urn:schemas-microsoft-com:office:office" xmlns:v="urn:schemas-microsoft-com:vml" xmlns:pvml="urn:schemas-microsoft-com:office:powerpoint" xmlns:com="http://schemas.openxmlformats.org/drawingml/2006/compatibility" xmlns:p14="http://schemas.microsoft.com/office/powerpoint/2010/main" xmlns:p15="http://schemas.microsoft.com/office/powerpoint/2012/main" xmlns:ahyp="http://schemas.microsoft.com/office/drawing/2018/hyperlinkcolor">
         <p15:guide id="1" orient="horz" pos="13481">
           <p15:clr>
             <a:srgbClr val="A4A3A4"/>
@@ -257,10 +260,175 @@
       </p15:sldGuideLst>
     </p:ext>
     <p:ext uri="GoogleSlidesCustomDataVersion2">
-      <go:slidesCustomData xmlns:go="http://customooxmlschemas.google.com/" xmlns:ahyp="http://schemas.microsoft.com/office/drawing/2018/hyperlinkcolor" xmlns:p15="http://schemas.microsoft.com/office/powerpoint/2012/main" xmlns:p14="http://schemas.microsoft.com/office/powerpoint/2010/main" xmlns:com="http://schemas.openxmlformats.org/drawingml/2006/compatibility" xmlns:pvml="urn:schemas-microsoft-com:office:powerpoint" xmlns:v="urn:schemas-microsoft-com:vml" xmlns:o="urn:schemas-microsoft-com:office:office" xmlns:dgm="http://schemas.openxmlformats.org/drawingml/2006/diagram" xmlns:c="http://schemas.openxmlformats.org/drawingml/2006/chart" xmlns:mv="urn:schemas-microsoft-com:mac:vml" xmlns:mc="http://schemas.openxmlformats.org/markup-compatibility/2006" xmlns="" r:id="rId7" roundtripDataSignature="AMtx7mijgEuDw13MyALY9B6PDbMHPCRTZQ=="/>
+      <go:slidesCustomData xmlns="" xmlns:mc="http://schemas.openxmlformats.org/markup-compatibility/2006" xmlns:mv="urn:schemas-microsoft-com:mac:vml" xmlns:c="http://schemas.openxmlformats.org/drawingml/2006/chart" xmlns:dgm="http://schemas.openxmlformats.org/drawingml/2006/diagram" xmlns:o="urn:schemas-microsoft-com:office:office" xmlns:v="urn:schemas-microsoft-com:vml" xmlns:pvml="urn:schemas-microsoft-com:office:powerpoint" xmlns:com="http://schemas.openxmlformats.org/drawingml/2006/compatibility" xmlns:p14="http://schemas.microsoft.com/office/powerpoint/2010/main" xmlns:p15="http://schemas.microsoft.com/office/powerpoint/2012/main" xmlns:ahyp="http://schemas.microsoft.com/office/drawing/2018/hyperlinkcolor" xmlns:go="http://customooxmlschemas.google.com/" r:id="rId7" roundtripDataSignature="AMtx7mijgEuDw13MyALY9B6PDbMHPCRTZQ=="/>
     </p:ext>
   </p:extLst>
 </p:presentation>
+</file>
+
+<file path=ppt/handoutMasters/handoutMaster1.xml><?xml version="1.0" encoding="utf-8"?>
+<p:handoutMaster xmlns:a="http://schemas.openxmlformats.org/drawingml/2006/main" xmlns:r="http://schemas.openxmlformats.org/officeDocument/2006/relationships" xmlns:p="http://schemas.openxmlformats.org/presentationml/2006/main">
+  <p:cSld>
+    <p:bg>
+      <p:bgRef idx="1001">
+        <a:schemeClr val="bg1"/>
+      </p:bgRef>
+    </p:bg>
+    <p:spTree>
+      <p:nvGrpSpPr>
+        <p:cNvPr id="1" name=""/>
+        <p:cNvGrpSpPr/>
+        <p:nvPr/>
+      </p:nvGrpSpPr>
+      <p:grpSpPr>
+        <a:xfrm>
+          <a:off x="0" y="0"/>
+          <a:ext cx="0" cy="0"/>
+          <a:chOff x="0" y="0"/>
+          <a:chExt cx="0" cy="0"/>
+        </a:xfrm>
+      </p:grpSpPr>
+      <p:sp>
+        <p:nvSpPr>
+          <p:cNvPr id="2" name="머리글 개체 틀 1"/>
+          <p:cNvSpPr>
+            <a:spLocks noGrp="1"/>
+          </p:cNvSpPr>
+          <p:nvPr>
+            <p:ph type="hdr" sz="quarter"/>
+          </p:nvPr>
+        </p:nvSpPr>
+        <p:spPr>
+          <a:xfrm>
+            <a:off x="0" y="0"/>
+            <a:ext cx="2971800" cy="457200"/>
+          </a:xfrm>
+          <a:prstGeom prst="rect">
+            <a:avLst/>
+          </a:prstGeom>
+        </p:spPr>
+        <p:txBody>
+          <a:bodyPr vert="horz" lIns="91440" tIns="45720" rIns="91440" bIns="45720" rtlCol="0"/>
+          <a:lstStyle>
+            <a:lvl1pPr algn="l">
+              <a:defRPr sz="1200"/>
+            </a:lvl1pPr>
+          </a:lstStyle>
+          <a:p>
+            <a:endParaRPr lang="ko-KR" altLang="en-US"/>
+          </a:p>
+        </p:txBody>
+      </p:sp>
+      <p:sp>
+        <p:nvSpPr>
+          <p:cNvPr id="3" name="날짜 개체 틀 2"/>
+          <p:cNvSpPr>
+            <a:spLocks noGrp="1"/>
+          </p:cNvSpPr>
+          <p:nvPr>
+            <p:ph type="dt" sz="quarter" idx="1"/>
+          </p:nvPr>
+        </p:nvSpPr>
+        <p:spPr>
+          <a:xfrm>
+            <a:off x="3884613" y="0"/>
+            <a:ext cx="2971800" cy="457200"/>
+          </a:xfrm>
+          <a:prstGeom prst="rect">
+            <a:avLst/>
+          </a:prstGeom>
+        </p:spPr>
+        <p:txBody>
+          <a:bodyPr vert="horz" lIns="91440" tIns="45720" rIns="91440" bIns="45720" rtlCol="0"/>
+          <a:lstStyle>
+            <a:lvl1pPr algn="r">
+              <a:defRPr sz="1200"/>
+            </a:lvl1pPr>
+          </a:lstStyle>
+          <a:p>
+            <a:fld id="{EF150853-8697-4966-97F0-2F7F31D9A8A6}" type="datetimeFigureOut">
+              <a:rPr lang="ko-KR" altLang="en-US" smtClean="0"/>
+              <a:t>2025-06-05</a:t>
+            </a:fld>
+            <a:endParaRPr lang="ko-KR" altLang="en-US"/>
+          </a:p>
+        </p:txBody>
+      </p:sp>
+      <p:sp>
+        <p:nvSpPr>
+          <p:cNvPr id="4" name="바닥글 개체 틀 3"/>
+          <p:cNvSpPr>
+            <a:spLocks noGrp="1"/>
+          </p:cNvSpPr>
+          <p:nvPr>
+            <p:ph type="ftr" sz="quarter" idx="2"/>
+          </p:nvPr>
+        </p:nvSpPr>
+        <p:spPr>
+          <a:xfrm>
+            <a:off x="0" y="8685213"/>
+            <a:ext cx="2971800" cy="457200"/>
+          </a:xfrm>
+          <a:prstGeom prst="rect">
+            <a:avLst/>
+          </a:prstGeom>
+        </p:spPr>
+        <p:txBody>
+          <a:bodyPr vert="horz" lIns="91440" tIns="45720" rIns="91440" bIns="45720" rtlCol="0" anchor="b"/>
+          <a:lstStyle>
+            <a:lvl1pPr algn="l">
+              <a:defRPr sz="1200"/>
+            </a:lvl1pPr>
+          </a:lstStyle>
+          <a:p>
+            <a:endParaRPr lang="ko-KR" altLang="en-US"/>
+          </a:p>
+        </p:txBody>
+      </p:sp>
+      <p:sp>
+        <p:nvSpPr>
+          <p:cNvPr id="5" name="슬라이드 번호 개체 틀 4"/>
+          <p:cNvSpPr>
+            <a:spLocks noGrp="1"/>
+          </p:cNvSpPr>
+          <p:nvPr>
+            <p:ph type="sldNum" sz="quarter" idx="3"/>
+          </p:nvPr>
+        </p:nvSpPr>
+        <p:spPr>
+          <a:xfrm>
+            <a:off x="3884613" y="8685213"/>
+            <a:ext cx="2971800" cy="457200"/>
+          </a:xfrm>
+          <a:prstGeom prst="rect">
+            <a:avLst/>
+          </a:prstGeom>
+        </p:spPr>
+        <p:txBody>
+          <a:bodyPr vert="horz" lIns="91440" tIns="45720" rIns="91440" bIns="45720" rtlCol="0" anchor="b"/>
+          <a:lstStyle>
+            <a:lvl1pPr algn="r">
+              <a:defRPr sz="1200"/>
+            </a:lvl1pPr>
+          </a:lstStyle>
+          <a:p>
+            <a:fld id="{6F7DB4B6-40E2-4564-A9A5-ED3733DC8225}" type="slidenum">
+              <a:rPr lang="ko-KR" altLang="en-US" smtClean="0"/>
+              <a:t>‹#›</a:t>
+            </a:fld>
+            <a:endParaRPr lang="ko-KR" altLang="en-US"/>
+          </a:p>
+        </p:txBody>
+      </p:sp>
+    </p:spTree>
+    <p:extLst>
+      <p:ext uri="{BB962C8B-B14F-4D97-AF65-F5344CB8AC3E}">
+        <p14:creationId xmlns:p14="http://schemas.microsoft.com/office/powerpoint/2010/main" val="867267899"/>
+      </p:ext>
+    </p:extLst>
+  </p:cSld>
+  <p:clrMap bg1="lt1" tx1="dk1" bg2="lt2" tx2="dk2" accent1="accent1" accent2="accent2" accent3="accent3" accent4="accent4" accent5="accent5" accent6="accent6" hlink="hlink" folHlink="folHlink"/>
+</p:handoutMaster>
 </file>
 
 <file path=ppt/notesMasters/notesMaster1.xml><?xml version="1.0" encoding="utf-8"?>
@@ -959,7 +1127,19 @@
                 <a:cs typeface="Arial"/>
                 <a:sym typeface="Arial"/>
               </a:rPr>
-              <a:t>서울대학교 기초교육원</a:t>
+              <a:t>서울대학교 </a:t>
+            </a:r>
+            <a:r>
+              <a:rPr lang="ko-KR" altLang="en-US" sz="4400" b="0" i="0" u="none" strike="noStrike" cap="none" smtClean="0">
+                <a:solidFill>
+                  <a:schemeClr val="lt1"/>
+                </a:solidFill>
+                <a:latin typeface="Arial"/>
+                <a:ea typeface="Arial"/>
+                <a:cs typeface="Arial"/>
+                <a:sym typeface="Arial"/>
+              </a:rPr>
+              <a:t>학부대학</a:t>
             </a:r>
             <a:endParaRPr/>
           </a:p>
@@ -7847,4 +8027,289 @@
   <a:objectDefaults/>
   <a:extraClrSchemeLst/>
 </a:theme>
+</file>
+
+<file path=ppt/theme/theme3.xml><?xml version="1.0" encoding="utf-8"?>
+<a:theme xmlns:a="http://schemas.openxmlformats.org/drawingml/2006/main" name="Office 테마">
+  <a:themeElements>
+    <a:clrScheme name="Office">
+      <a:dk1>
+        <a:sysClr val="windowText" lastClr="000000"/>
+      </a:dk1>
+      <a:lt1>
+        <a:sysClr val="window" lastClr="FFFFFF"/>
+      </a:lt1>
+      <a:dk2>
+        <a:srgbClr val="1F497D"/>
+      </a:dk2>
+      <a:lt2>
+        <a:srgbClr val="EEECE1"/>
+      </a:lt2>
+      <a:accent1>
+        <a:srgbClr val="4F81BD"/>
+      </a:accent1>
+      <a:accent2>
+        <a:srgbClr val="C0504D"/>
+      </a:accent2>
+      <a:accent3>
+        <a:srgbClr val="9BBB59"/>
+      </a:accent3>
+      <a:accent4>
+        <a:srgbClr val="8064A2"/>
+      </a:accent4>
+      <a:accent5>
+        <a:srgbClr val="4BACC6"/>
+      </a:accent5>
+      <a:accent6>
+        <a:srgbClr val="F79646"/>
+      </a:accent6>
+      <a:hlink>
+        <a:srgbClr val="0000FF"/>
+      </a:hlink>
+      <a:folHlink>
+        <a:srgbClr val="800080"/>
+      </a:folHlink>
+    </a:clrScheme>
+    <a:fontScheme name="Office">
+      <a:majorFont>
+        <a:latin typeface="맑은 고딕"/>
+        <a:ea typeface=""/>
+        <a:cs typeface=""/>
+        <a:font script="Jpan" typeface="ＭＳ Ｐゴシック"/>
+        <a:font script="Hang" typeface="맑은 고딕"/>
+        <a:font script="Hans" typeface="宋体"/>
+        <a:font script="Hant" typeface="新細明體"/>
+        <a:font script="Arab" typeface="Times New Roman"/>
+        <a:font script="Hebr" typeface="Times New Roman"/>
+        <a:font script="Thai" typeface="Angsana New"/>
+        <a:font script="Ethi" typeface="Nyala"/>
+        <a:font script="Beng" typeface="Vrinda"/>
+        <a:font script="Gujr" typeface="Shruti"/>
+        <a:font script="Khmr" typeface="MoolBoran"/>
+        <a:font script="Knda" typeface="Tunga"/>
+        <a:font script="Guru" typeface="Raavi"/>
+        <a:font script="Cans" typeface="Euphemia"/>
+        <a:font script="Cher" typeface="Plantagenet Cherokee"/>
+        <a:font script="Yiii" typeface="Microsoft Yi Baiti"/>
+        <a:font script="Tibt" typeface="Microsoft Himalaya"/>
+        <a:font script="Thaa" typeface="MV Boli"/>
+        <a:font script="Deva" typeface="Mangal"/>
+        <a:font script="Telu" typeface="Gautami"/>
+        <a:font script="Taml" typeface="Latha"/>
+        <a:font script="Syrc" typeface="Estrangelo Edessa"/>
+        <a:font script="Orya" typeface="Kalinga"/>
+        <a:font script="Mlym" typeface="Kartika"/>
+        <a:font script="Laoo" typeface="DokChampa"/>
+        <a:font script="Sinh" typeface="Iskoola Pota"/>
+        <a:font script="Mong" typeface="Mongolian Baiti"/>
+        <a:font script="Viet" typeface="Times New Roman"/>
+        <a:font script="Uigh" typeface="Microsoft Uighur"/>
+        <a:font script="Geor" typeface="Sylfaen"/>
+      </a:majorFont>
+      <a:minorFont>
+        <a:latin typeface="맑은 고딕"/>
+        <a:ea typeface=""/>
+        <a:cs typeface=""/>
+        <a:font script="Jpan" typeface="ＭＳ Ｐゴシック"/>
+        <a:font script="Hang" typeface="맑은 고딕"/>
+        <a:font script="Hans" typeface="宋体"/>
+        <a:font script="Hant" typeface="新細明體"/>
+        <a:font script="Arab" typeface="Arial"/>
+        <a:font script="Hebr" typeface="Arial"/>
+        <a:font script="Thai" typeface="Cordia New"/>
+        <a:font script="Ethi" typeface="Nyala"/>
+        <a:font script="Beng" typeface="Vrinda"/>
+        <a:font script="Gujr" typeface="Shruti"/>
+        <a:font script="Khmr" typeface="DaunPenh"/>
+        <a:font script="Knda" typeface="Tunga"/>
+        <a:font script="Guru" typeface="Raavi"/>
+        <a:font script="Cans" typeface="Euphemia"/>
+        <a:font script="Cher" typeface="Plantagenet Cherokee"/>
+        <a:font script="Yiii" typeface="Microsoft Yi Baiti"/>
+        <a:font script="Tibt" typeface="Microsoft Himalaya"/>
+        <a:font script="Thaa" typeface="MV Boli"/>
+        <a:font script="Deva" typeface="Mangal"/>
+        <a:font script="Telu" typeface="Gautami"/>
+        <a:font script="Taml" typeface="Latha"/>
+        <a:font script="Syrc" typeface="Estrangelo Edessa"/>
+        <a:font script="Orya" typeface="Kalinga"/>
+        <a:font script="Mlym" typeface="Kartika"/>
+        <a:font script="Laoo" typeface="DokChampa"/>
+        <a:font script="Sinh" typeface="Iskoola Pota"/>
+        <a:font script="Mong" typeface="Mongolian Baiti"/>
+        <a:font script="Viet" typeface="Arial"/>
+        <a:font script="Uigh" typeface="Microsoft Uighur"/>
+        <a:font script="Geor" typeface="Sylfaen"/>
+      </a:minorFont>
+    </a:fontScheme>
+    <a:fmtScheme name="Office">
+      <a:fillStyleLst>
+        <a:solidFill>
+          <a:schemeClr val="phClr"/>
+        </a:solidFill>
+        <a:gradFill rotWithShape="1">
+          <a:gsLst>
+            <a:gs pos="0">
+              <a:schemeClr val="phClr">
+                <a:tint val="50000"/>
+                <a:satMod val="300000"/>
+              </a:schemeClr>
+            </a:gs>
+            <a:gs pos="35000">
+              <a:schemeClr val="phClr">
+                <a:tint val="37000"/>
+                <a:satMod val="300000"/>
+              </a:schemeClr>
+            </a:gs>
+            <a:gs pos="100000">
+              <a:schemeClr val="phClr">
+                <a:tint val="15000"/>
+                <a:satMod val="350000"/>
+              </a:schemeClr>
+            </a:gs>
+          </a:gsLst>
+          <a:lin ang="16200000" scaled="1"/>
+        </a:gradFill>
+        <a:gradFill rotWithShape="1">
+          <a:gsLst>
+            <a:gs pos="0">
+              <a:schemeClr val="phClr">
+                <a:shade val="51000"/>
+                <a:satMod val="130000"/>
+              </a:schemeClr>
+            </a:gs>
+            <a:gs pos="80000">
+              <a:schemeClr val="phClr">
+                <a:shade val="93000"/>
+                <a:satMod val="130000"/>
+              </a:schemeClr>
+            </a:gs>
+            <a:gs pos="100000">
+              <a:schemeClr val="phClr">
+                <a:shade val="94000"/>
+                <a:satMod val="135000"/>
+              </a:schemeClr>
+            </a:gs>
+          </a:gsLst>
+          <a:lin ang="16200000" scaled="0"/>
+        </a:gradFill>
+      </a:fillStyleLst>
+      <a:lnStyleLst>
+        <a:ln w="9525" cap="flat" cmpd="sng" algn="ctr">
+          <a:solidFill>
+            <a:schemeClr val="phClr">
+              <a:shade val="95000"/>
+              <a:satMod val="105000"/>
+            </a:schemeClr>
+          </a:solidFill>
+          <a:prstDash val="solid"/>
+        </a:ln>
+        <a:ln w="25400" cap="flat" cmpd="sng" algn="ctr">
+          <a:solidFill>
+            <a:schemeClr val="phClr"/>
+          </a:solidFill>
+          <a:prstDash val="solid"/>
+        </a:ln>
+        <a:ln w="38100" cap="flat" cmpd="sng" algn="ctr">
+          <a:solidFill>
+            <a:schemeClr val="phClr"/>
+          </a:solidFill>
+          <a:prstDash val="solid"/>
+        </a:ln>
+      </a:lnStyleLst>
+      <a:effectStyleLst>
+        <a:effectStyle>
+          <a:effectLst>
+            <a:outerShdw blurRad="40000" dist="20000" dir="5400000" rotWithShape="0">
+              <a:srgbClr val="000000">
+                <a:alpha val="38000"/>
+              </a:srgbClr>
+            </a:outerShdw>
+          </a:effectLst>
+        </a:effectStyle>
+        <a:effectStyle>
+          <a:effectLst>
+            <a:outerShdw blurRad="40000" dist="23000" dir="5400000" rotWithShape="0">
+              <a:srgbClr val="000000">
+                <a:alpha val="35000"/>
+              </a:srgbClr>
+            </a:outerShdw>
+          </a:effectLst>
+        </a:effectStyle>
+        <a:effectStyle>
+          <a:effectLst>
+            <a:outerShdw blurRad="40000" dist="23000" dir="5400000" rotWithShape="0">
+              <a:srgbClr val="000000">
+                <a:alpha val="35000"/>
+              </a:srgbClr>
+            </a:outerShdw>
+          </a:effectLst>
+          <a:scene3d>
+            <a:camera prst="orthographicFront">
+              <a:rot lat="0" lon="0" rev="0"/>
+            </a:camera>
+            <a:lightRig rig="threePt" dir="t">
+              <a:rot lat="0" lon="0" rev="1200000"/>
+            </a:lightRig>
+          </a:scene3d>
+          <a:sp3d>
+            <a:bevelT w="63500" h="25400"/>
+          </a:sp3d>
+        </a:effectStyle>
+      </a:effectStyleLst>
+      <a:bgFillStyleLst>
+        <a:solidFill>
+          <a:schemeClr val="phClr"/>
+        </a:solidFill>
+        <a:gradFill rotWithShape="1">
+          <a:gsLst>
+            <a:gs pos="0">
+              <a:schemeClr val="phClr">
+                <a:tint val="40000"/>
+                <a:satMod val="350000"/>
+              </a:schemeClr>
+            </a:gs>
+            <a:gs pos="40000">
+              <a:schemeClr val="phClr">
+                <a:tint val="45000"/>
+                <a:shade val="99000"/>
+                <a:satMod val="350000"/>
+              </a:schemeClr>
+            </a:gs>
+            <a:gs pos="100000">
+              <a:schemeClr val="phClr">
+                <a:shade val="20000"/>
+                <a:satMod val="255000"/>
+              </a:schemeClr>
+            </a:gs>
+          </a:gsLst>
+          <a:path path="circle">
+            <a:fillToRect l="50000" t="-80000" r="50000" b="180000"/>
+          </a:path>
+        </a:gradFill>
+        <a:gradFill rotWithShape="1">
+          <a:gsLst>
+            <a:gs pos="0">
+              <a:schemeClr val="phClr">
+                <a:tint val="80000"/>
+                <a:satMod val="300000"/>
+              </a:schemeClr>
+            </a:gs>
+            <a:gs pos="100000">
+              <a:schemeClr val="phClr">
+                <a:shade val="30000"/>
+                <a:satMod val="200000"/>
+              </a:schemeClr>
+            </a:gs>
+          </a:gsLst>
+          <a:path path="circle">
+            <a:fillToRect l="50000" t="50000" r="50000" b="50000"/>
+          </a:path>
+        </a:gradFill>
+      </a:bgFillStyleLst>
+    </a:fmtScheme>
+  </a:themeElements>
+  <a:objectDefaults/>
+  <a:extraClrSchemeLst/>
+</a:theme>
 </file>